--- a/slides/Large-OLED-Figures.pptx
+++ b/slides/Large-OLED-Figures.pptx
@@ -8,6 +8,7 @@
     <p:sldId id="256" r:id="rId2"/>
     <p:sldId id="257" r:id="rId3"/>
     <p:sldId id="258" r:id="rId4"/>
+    <p:sldId id="259" r:id="rId5"/>
   </p:sldIdLst>
   <p:sldSz cx="12192000" cy="6858000"/>
   <p:notesSz cx="6858000" cy="9144000"/>
@@ -5034,6 +5035,1675 @@
 </p:sld>
 </file>
 
+<file path=ppt/slides/slide4.xml><?xml version="1.0" encoding="utf-8"?>
+<p:sld xmlns:a="http://schemas.openxmlformats.org/drawingml/2006/main" xmlns:r="http://schemas.openxmlformats.org/officeDocument/2006/relationships" xmlns:p="http://schemas.openxmlformats.org/presentationml/2006/main">
+  <p:cSld>
+    <p:spTree>
+      <p:nvGrpSpPr>
+        <p:cNvPr id="1" name=""/>
+        <p:cNvGrpSpPr/>
+        <p:nvPr/>
+      </p:nvGrpSpPr>
+      <p:grpSpPr>
+        <a:xfrm>
+          <a:off x="0" y="0"/>
+          <a:ext cx="0" cy="0"/>
+          <a:chOff x="0" y="0"/>
+          <a:chExt cx="0" cy="0"/>
+        </a:xfrm>
+      </p:grpSpPr>
+      <p:pic>
+        <p:nvPicPr>
+          <p:cNvPr id="38" name="Picture 37">
+            <a:extLst>
+              <a:ext uri="{FF2B5EF4-FFF2-40B4-BE49-F238E27FC236}">
+                <a16:creationId xmlns:a16="http://schemas.microsoft.com/office/drawing/2014/main" id="{AB45AA90-B2A9-BA18-3C9F-9E3C4F71025F}"/>
+              </a:ext>
+            </a:extLst>
+          </p:cNvPr>
+          <p:cNvPicPr>
+            <a:picLocks noChangeAspect="1"/>
+          </p:cNvPicPr>
+          <p:nvPr/>
+        </p:nvPicPr>
+        <p:blipFill>
+          <a:blip r:embed="rId2"/>
+          <a:srcRect l="24035"/>
+          <a:stretch/>
+        </p:blipFill>
+        <p:spPr>
+          <a:xfrm>
+            <a:off x="1878614" y="3057506"/>
+            <a:ext cx="1560842" cy="1334083"/>
+          </a:xfrm>
+          <a:prstGeom prst="rect">
+            <a:avLst/>
+          </a:prstGeom>
+        </p:spPr>
+      </p:pic>
+      <p:sp>
+        <p:nvSpPr>
+          <p:cNvPr id="2" name="Title 1">
+            <a:extLst>
+              <a:ext uri="{FF2B5EF4-FFF2-40B4-BE49-F238E27FC236}">
+                <a16:creationId xmlns:a16="http://schemas.microsoft.com/office/drawing/2014/main" id="{BEF4C9BA-7F07-64C2-A311-1B6A53393FAD}"/>
+              </a:ext>
+            </a:extLst>
+          </p:cNvPr>
+          <p:cNvSpPr>
+            <a:spLocks noGrp="1"/>
+          </p:cNvSpPr>
+          <p:nvPr>
+            <p:ph type="title"/>
+          </p:nvPr>
+        </p:nvSpPr>
+        <p:spPr>
+          <a:xfrm>
+            <a:off x="838200" y="130913"/>
+            <a:ext cx="10515600" cy="614731"/>
+          </a:xfrm>
+        </p:spPr>
+        <p:txBody>
+          <a:bodyPr>
+            <a:normAutofit fontScale="90000"/>
+          </a:bodyPr>
+          <a:lstStyle/>
+          <a:p>
+            <a:r>
+              <a:rPr lang="en-US" dirty="0"/>
+              <a:t>Connection Diagram</a:t>
+            </a:r>
+          </a:p>
+        </p:txBody>
+      </p:sp>
+      <p:sp>
+        <p:nvSpPr>
+          <p:cNvPr id="6" name="Rounded Rectangle 5">
+            <a:extLst>
+              <a:ext uri="{FF2B5EF4-FFF2-40B4-BE49-F238E27FC236}">
+                <a16:creationId xmlns:a16="http://schemas.microsoft.com/office/drawing/2014/main" id="{51A1F317-92B4-60E0-E1B7-B3174819078F}"/>
+              </a:ext>
+            </a:extLst>
+          </p:cNvPr>
+          <p:cNvSpPr/>
+          <p:nvPr/>
+        </p:nvSpPr>
+        <p:spPr>
+          <a:xfrm>
+            <a:off x="5276417" y="2580798"/>
+            <a:ext cx="2391276" cy="1325562"/>
+          </a:xfrm>
+          <a:prstGeom prst="roundRect">
+            <a:avLst/>
+          </a:prstGeom>
+          <a:solidFill>
+            <a:schemeClr val="tx1"/>
+          </a:solidFill>
+        </p:spPr>
+        <p:style>
+          <a:lnRef idx="2">
+            <a:schemeClr val="accent1">
+              <a:shade val="15000"/>
+            </a:schemeClr>
+          </a:lnRef>
+          <a:fillRef idx="1">
+            <a:schemeClr val="accent1"/>
+          </a:fillRef>
+          <a:effectRef idx="0">
+            <a:schemeClr val="accent1"/>
+          </a:effectRef>
+          <a:fontRef idx="minor">
+            <a:schemeClr val="lt1"/>
+          </a:fontRef>
+        </p:style>
+        <p:txBody>
+          <a:bodyPr rtlCol="0" anchor="ctr"/>
+          <a:lstStyle/>
+          <a:p>
+            <a:pPr algn="ctr"/>
+            <a:r>
+              <a:rPr lang="en-US" dirty="0"/>
+              <a:t>OLED Display</a:t>
+            </a:r>
+          </a:p>
+        </p:txBody>
+      </p:sp>
+      <p:sp>
+        <p:nvSpPr>
+          <p:cNvPr id="7" name="Rounded Rectangle 6">
+            <a:extLst>
+              <a:ext uri="{FF2B5EF4-FFF2-40B4-BE49-F238E27FC236}">
+                <a16:creationId xmlns:a16="http://schemas.microsoft.com/office/drawing/2014/main" id="{806762F4-2C90-97DD-56A7-AE94C96A845D}"/>
+              </a:ext>
+            </a:extLst>
+          </p:cNvPr>
+          <p:cNvSpPr/>
+          <p:nvPr/>
+        </p:nvSpPr>
+        <p:spPr>
+          <a:xfrm>
+            <a:off x="5276417" y="1427856"/>
+            <a:ext cx="1911016" cy="830180"/>
+          </a:xfrm>
+          <a:prstGeom prst="roundRect">
+            <a:avLst/>
+          </a:prstGeom>
+          <a:solidFill>
+            <a:schemeClr val="tx2">
+              <a:lumMod val="75000"/>
+              <a:lumOff val="25000"/>
+            </a:schemeClr>
+          </a:solidFill>
+        </p:spPr>
+        <p:style>
+          <a:lnRef idx="2">
+            <a:schemeClr val="accent1">
+              <a:shade val="15000"/>
+            </a:schemeClr>
+          </a:lnRef>
+          <a:fillRef idx="1">
+            <a:schemeClr val="accent1"/>
+          </a:fillRef>
+          <a:effectRef idx="0">
+            <a:schemeClr val="accent1"/>
+          </a:effectRef>
+          <a:fontRef idx="minor">
+            <a:schemeClr val="lt1"/>
+          </a:fontRef>
+        </p:style>
+        <p:txBody>
+          <a:bodyPr rtlCol="0" anchor="ctr"/>
+          <a:lstStyle/>
+          <a:p>
+            <a:pPr algn="ctr"/>
+            <a:r>
+              <a:rPr lang="en-US" dirty="0"/>
+              <a:t>Real Time Clock</a:t>
+            </a:r>
+          </a:p>
+          <a:p>
+            <a:pPr algn="ctr"/>
+            <a:r>
+              <a:rPr lang="en-US" dirty="0"/>
+              <a:t>DS3132</a:t>
+            </a:r>
+          </a:p>
+        </p:txBody>
+      </p:sp>
+      <p:sp>
+        <p:nvSpPr>
+          <p:cNvPr id="8" name="Left-Right Arrow 7">
+            <a:extLst>
+              <a:ext uri="{FF2B5EF4-FFF2-40B4-BE49-F238E27FC236}">
+                <a16:creationId xmlns:a16="http://schemas.microsoft.com/office/drawing/2014/main" id="{25BE1348-E76B-41D0-546B-6B294553F430}"/>
+              </a:ext>
+            </a:extLst>
+          </p:cNvPr>
+          <p:cNvSpPr/>
+          <p:nvPr/>
+        </p:nvSpPr>
+        <p:spPr>
+          <a:xfrm>
+            <a:off x="3572209" y="2846537"/>
+            <a:ext cx="1704208" cy="794083"/>
+          </a:xfrm>
+          <a:prstGeom prst="leftRightArrow">
+            <a:avLst/>
+          </a:prstGeom>
+        </p:spPr>
+        <p:style>
+          <a:lnRef idx="2">
+            <a:schemeClr val="accent1">
+              <a:shade val="15000"/>
+            </a:schemeClr>
+          </a:lnRef>
+          <a:fillRef idx="1">
+            <a:schemeClr val="accent1"/>
+          </a:fillRef>
+          <a:effectRef idx="0">
+            <a:schemeClr val="accent1"/>
+          </a:effectRef>
+          <a:fontRef idx="minor">
+            <a:schemeClr val="lt1"/>
+          </a:fontRef>
+        </p:style>
+        <p:txBody>
+          <a:bodyPr rtlCol="0" anchor="ctr"/>
+          <a:lstStyle/>
+          <a:p>
+            <a:pPr algn="ctr"/>
+            <a:r>
+              <a:rPr lang="en-US" dirty="0"/>
+              <a:t>7-wire SPI</a:t>
+            </a:r>
+          </a:p>
+        </p:txBody>
+      </p:sp>
+      <p:sp>
+        <p:nvSpPr>
+          <p:cNvPr id="10" name="Left-Right Arrow 9">
+            <a:extLst>
+              <a:ext uri="{FF2B5EF4-FFF2-40B4-BE49-F238E27FC236}">
+                <a16:creationId xmlns:a16="http://schemas.microsoft.com/office/drawing/2014/main" id="{21F6DFD7-EA69-94A9-848E-E73911F7C166}"/>
+              </a:ext>
+            </a:extLst>
+          </p:cNvPr>
+          <p:cNvSpPr/>
+          <p:nvPr/>
+        </p:nvSpPr>
+        <p:spPr>
+          <a:xfrm>
+            <a:off x="3360390" y="1656114"/>
+            <a:ext cx="1888957" cy="352116"/>
+          </a:xfrm>
+          <a:prstGeom prst="leftRightArrow">
+            <a:avLst/>
+          </a:prstGeom>
+        </p:spPr>
+        <p:style>
+          <a:lnRef idx="2">
+            <a:schemeClr val="accent1">
+              <a:shade val="15000"/>
+            </a:schemeClr>
+          </a:lnRef>
+          <a:fillRef idx="1">
+            <a:schemeClr val="accent1"/>
+          </a:fillRef>
+          <a:effectRef idx="0">
+            <a:schemeClr val="accent1"/>
+          </a:effectRef>
+          <a:fontRef idx="minor">
+            <a:schemeClr val="lt1"/>
+          </a:fontRef>
+        </p:style>
+        <p:txBody>
+          <a:bodyPr rtlCol="0" anchor="ctr"/>
+          <a:lstStyle/>
+          <a:p>
+            <a:pPr algn="ctr"/>
+            <a:r>
+              <a:rPr lang="en-US" dirty="0"/>
+              <a:t>4-wire I2C</a:t>
+            </a:r>
+          </a:p>
+        </p:txBody>
+      </p:sp>
+      <p:sp>
+        <p:nvSpPr>
+          <p:cNvPr id="11" name="Rectangle 10">
+            <a:extLst>
+              <a:ext uri="{FF2B5EF4-FFF2-40B4-BE49-F238E27FC236}">
+                <a16:creationId xmlns:a16="http://schemas.microsoft.com/office/drawing/2014/main" id="{BBE493CF-FFAB-E8DD-B043-B071E877B028}"/>
+              </a:ext>
+            </a:extLst>
+          </p:cNvPr>
+          <p:cNvSpPr/>
+          <p:nvPr/>
+        </p:nvSpPr>
+        <p:spPr>
+          <a:xfrm>
+            <a:off x="2518178" y="1390373"/>
+            <a:ext cx="344904" cy="362335"/>
+          </a:xfrm>
+          <a:prstGeom prst="rect">
+            <a:avLst/>
+          </a:prstGeom>
+          <a:solidFill>
+            <a:schemeClr val="bg1">
+              <a:lumMod val="75000"/>
+            </a:schemeClr>
+          </a:solidFill>
+        </p:spPr>
+        <p:style>
+          <a:lnRef idx="2">
+            <a:schemeClr val="accent1">
+              <a:shade val="15000"/>
+            </a:schemeClr>
+          </a:lnRef>
+          <a:fillRef idx="1">
+            <a:schemeClr val="accent1"/>
+          </a:fillRef>
+          <a:effectRef idx="0">
+            <a:schemeClr val="accent1"/>
+          </a:effectRef>
+          <a:fontRef idx="minor">
+            <a:schemeClr val="lt1"/>
+          </a:fontRef>
+        </p:style>
+        <p:txBody>
+          <a:bodyPr rtlCol="0" anchor="ctr"/>
+          <a:lstStyle/>
+          <a:p>
+            <a:pPr algn="ctr"/>
+            <a:endParaRPr lang="en-US"/>
+          </a:p>
+        </p:txBody>
+      </p:sp>
+      <p:sp>
+        <p:nvSpPr>
+          <p:cNvPr id="12" name="TextBox 11">
+            <a:extLst>
+              <a:ext uri="{FF2B5EF4-FFF2-40B4-BE49-F238E27FC236}">
+                <a16:creationId xmlns:a16="http://schemas.microsoft.com/office/drawing/2014/main" id="{B70BA612-A91C-E498-AE72-84C78184F9F7}"/>
+              </a:ext>
+            </a:extLst>
+          </p:cNvPr>
+          <p:cNvSpPr txBox="1"/>
+          <p:nvPr/>
+        </p:nvSpPr>
+        <p:spPr>
+          <a:xfrm>
+            <a:off x="2393453" y="925049"/>
+            <a:ext cx="611065" cy="369332"/>
+          </a:xfrm>
+          <a:prstGeom prst="rect">
+            <a:avLst/>
+          </a:prstGeom>
+          <a:noFill/>
+        </p:spPr>
+        <p:txBody>
+          <a:bodyPr wrap="none" rtlCol="0">
+            <a:spAutoFit/>
+          </a:bodyPr>
+          <a:lstStyle/>
+          <a:p>
+            <a:r>
+              <a:rPr lang="en-US" dirty="0"/>
+              <a:t>USB</a:t>
+            </a:r>
+          </a:p>
+        </p:txBody>
+      </p:sp>
+      <p:sp>
+        <p:nvSpPr>
+          <p:cNvPr id="13" name="Rounded Rectangle 12">
+            <a:extLst>
+              <a:ext uri="{FF2B5EF4-FFF2-40B4-BE49-F238E27FC236}">
+                <a16:creationId xmlns:a16="http://schemas.microsoft.com/office/drawing/2014/main" id="{BE9111F6-5703-F4CA-21F4-5A93342FCD16}"/>
+              </a:ext>
+            </a:extLst>
+          </p:cNvPr>
+          <p:cNvSpPr/>
+          <p:nvPr/>
+        </p:nvSpPr>
+        <p:spPr>
+          <a:xfrm>
+            <a:off x="2582215" y="4375028"/>
+            <a:ext cx="347564" cy="336289"/>
+          </a:xfrm>
+          <a:prstGeom prst="roundRect">
+            <a:avLst/>
+          </a:prstGeom>
+          <a:solidFill>
+            <a:schemeClr val="bg1">
+              <a:lumMod val="65000"/>
+            </a:schemeClr>
+          </a:solidFill>
+          <a:ln>
+            <a:noFill/>
+          </a:ln>
+        </p:spPr>
+        <p:style>
+          <a:lnRef idx="2">
+            <a:schemeClr val="accent1">
+              <a:shade val="15000"/>
+            </a:schemeClr>
+          </a:lnRef>
+          <a:fillRef idx="1">
+            <a:schemeClr val="accent1"/>
+          </a:fillRef>
+          <a:effectRef idx="0">
+            <a:schemeClr val="accent1"/>
+          </a:effectRef>
+          <a:fontRef idx="minor">
+            <a:schemeClr val="lt1"/>
+          </a:fontRef>
+        </p:style>
+        <p:txBody>
+          <a:bodyPr rtlCol="0" anchor="ctr"/>
+          <a:lstStyle/>
+          <a:p>
+            <a:pPr algn="ctr"/>
+            <a:endParaRPr lang="en-US" dirty="0"/>
+          </a:p>
+        </p:txBody>
+      </p:sp>
+      <p:sp>
+        <p:nvSpPr>
+          <p:cNvPr id="14" name="Rounded Rectangle 13">
+            <a:extLst>
+              <a:ext uri="{FF2B5EF4-FFF2-40B4-BE49-F238E27FC236}">
+                <a16:creationId xmlns:a16="http://schemas.microsoft.com/office/drawing/2014/main" id="{9552A638-170D-0A43-F10B-7AF1B45C7D8C}"/>
+              </a:ext>
+            </a:extLst>
+          </p:cNvPr>
+          <p:cNvSpPr/>
+          <p:nvPr/>
+        </p:nvSpPr>
+        <p:spPr>
+          <a:xfrm>
+            <a:off x="2576958" y="4891680"/>
+            <a:ext cx="347564" cy="336289"/>
+          </a:xfrm>
+          <a:prstGeom prst="roundRect">
+            <a:avLst/>
+          </a:prstGeom>
+          <a:solidFill>
+            <a:schemeClr val="bg1">
+              <a:lumMod val="65000"/>
+            </a:schemeClr>
+          </a:solidFill>
+          <a:ln>
+            <a:noFill/>
+          </a:ln>
+        </p:spPr>
+        <p:style>
+          <a:lnRef idx="2">
+            <a:schemeClr val="accent1">
+              <a:shade val="15000"/>
+            </a:schemeClr>
+          </a:lnRef>
+          <a:fillRef idx="1">
+            <a:schemeClr val="accent1"/>
+          </a:fillRef>
+          <a:effectRef idx="0">
+            <a:schemeClr val="accent1"/>
+          </a:effectRef>
+          <a:fontRef idx="minor">
+            <a:schemeClr val="lt1"/>
+          </a:fontRef>
+        </p:style>
+        <p:txBody>
+          <a:bodyPr rtlCol="0" anchor="ctr"/>
+          <a:lstStyle/>
+          <a:p>
+            <a:pPr algn="ctr"/>
+            <a:endParaRPr lang="en-US" dirty="0"/>
+          </a:p>
+        </p:txBody>
+      </p:sp>
+      <p:sp>
+        <p:nvSpPr>
+          <p:cNvPr id="15" name="Rounded Rectangle 14">
+            <a:extLst>
+              <a:ext uri="{FF2B5EF4-FFF2-40B4-BE49-F238E27FC236}">
+                <a16:creationId xmlns:a16="http://schemas.microsoft.com/office/drawing/2014/main" id="{469FA7A0-B0D6-5774-4AA5-EC7EA0CD8B8E}"/>
+              </a:ext>
+            </a:extLst>
+          </p:cNvPr>
+          <p:cNvSpPr/>
+          <p:nvPr/>
+        </p:nvSpPr>
+        <p:spPr>
+          <a:xfrm>
+            <a:off x="2576958" y="5290794"/>
+            <a:ext cx="347564" cy="336271"/>
+          </a:xfrm>
+          <a:prstGeom prst="roundRect">
+            <a:avLst/>
+          </a:prstGeom>
+          <a:solidFill>
+            <a:schemeClr val="bg1">
+              <a:lumMod val="65000"/>
+            </a:schemeClr>
+          </a:solidFill>
+          <a:ln>
+            <a:noFill/>
+          </a:ln>
+        </p:spPr>
+        <p:style>
+          <a:lnRef idx="2">
+            <a:schemeClr val="accent1">
+              <a:shade val="15000"/>
+            </a:schemeClr>
+          </a:lnRef>
+          <a:fillRef idx="1">
+            <a:schemeClr val="accent1"/>
+          </a:fillRef>
+          <a:effectRef idx="0">
+            <a:schemeClr val="accent1"/>
+          </a:effectRef>
+          <a:fontRef idx="minor">
+            <a:schemeClr val="lt1"/>
+          </a:fontRef>
+        </p:style>
+        <p:txBody>
+          <a:bodyPr rtlCol="0" anchor="ctr"/>
+          <a:lstStyle/>
+          <a:p>
+            <a:pPr algn="ctr"/>
+            <a:endParaRPr lang="en-US" dirty="0"/>
+          </a:p>
+        </p:txBody>
+      </p:sp>
+      <p:cxnSp>
+        <p:nvCxnSpPr>
+          <p:cNvPr id="16" name="Straight Connector 15">
+            <a:extLst>
+              <a:ext uri="{FF2B5EF4-FFF2-40B4-BE49-F238E27FC236}">
+                <a16:creationId xmlns:a16="http://schemas.microsoft.com/office/drawing/2014/main" id="{68853B55-048C-D84F-06B3-01423B722E9A}"/>
+              </a:ext>
+            </a:extLst>
+          </p:cNvPr>
+          <p:cNvCxnSpPr>
+            <a:cxnSpLocks/>
+          </p:cNvCxnSpPr>
+          <p:nvPr/>
+        </p:nvCxnSpPr>
+        <p:spPr>
+          <a:xfrm>
+            <a:off x="1653999" y="3943362"/>
+            <a:ext cx="16115" cy="1618119"/>
+          </a:xfrm>
+          <a:prstGeom prst="line">
+            <a:avLst/>
+          </a:prstGeom>
+          <a:ln w="57150" cap="sq">
+            <a:solidFill>
+              <a:schemeClr val="tx1"/>
+            </a:solidFill>
+          </a:ln>
+        </p:spPr>
+        <p:style>
+          <a:lnRef idx="2">
+            <a:schemeClr val="accent1"/>
+          </a:lnRef>
+          <a:fillRef idx="0">
+            <a:schemeClr val="accent1"/>
+          </a:fillRef>
+          <a:effectRef idx="1">
+            <a:schemeClr val="accent1"/>
+          </a:effectRef>
+          <a:fontRef idx="minor">
+            <a:schemeClr val="tx1"/>
+          </a:fontRef>
+        </p:style>
+      </p:cxnSp>
+      <p:cxnSp>
+        <p:nvCxnSpPr>
+          <p:cNvPr id="18" name="Straight Connector 17">
+            <a:extLst>
+              <a:ext uri="{FF2B5EF4-FFF2-40B4-BE49-F238E27FC236}">
+                <a16:creationId xmlns:a16="http://schemas.microsoft.com/office/drawing/2014/main" id="{BDA0DF59-BFE5-6D8C-9204-E7F4F47604AA}"/>
+              </a:ext>
+            </a:extLst>
+          </p:cNvPr>
+          <p:cNvCxnSpPr>
+            <a:cxnSpLocks/>
+          </p:cNvCxnSpPr>
+          <p:nvPr/>
+        </p:nvCxnSpPr>
+        <p:spPr>
+          <a:xfrm flipH="1">
+            <a:off x="1690096" y="5561481"/>
+            <a:ext cx="886862" cy="0"/>
+          </a:xfrm>
+          <a:prstGeom prst="line">
+            <a:avLst/>
+          </a:prstGeom>
+          <a:ln w="57150">
+            <a:solidFill>
+              <a:schemeClr val="tx1"/>
+            </a:solidFill>
+          </a:ln>
+        </p:spPr>
+        <p:style>
+          <a:lnRef idx="2">
+            <a:schemeClr val="accent1"/>
+          </a:lnRef>
+          <a:fillRef idx="0">
+            <a:schemeClr val="accent1"/>
+          </a:fillRef>
+          <a:effectRef idx="1">
+            <a:schemeClr val="accent1"/>
+          </a:effectRef>
+          <a:fontRef idx="minor">
+            <a:schemeClr val="tx1"/>
+          </a:fontRef>
+        </p:style>
+      </p:cxnSp>
+      <p:cxnSp>
+        <p:nvCxnSpPr>
+          <p:cNvPr id="19" name="Straight Connector 18">
+            <a:extLst>
+              <a:ext uri="{FF2B5EF4-FFF2-40B4-BE49-F238E27FC236}">
+                <a16:creationId xmlns:a16="http://schemas.microsoft.com/office/drawing/2014/main" id="{E52191CA-FE9E-88F3-1F89-BFB2F8312F93}"/>
+              </a:ext>
+            </a:extLst>
+          </p:cNvPr>
+          <p:cNvCxnSpPr>
+            <a:cxnSpLocks/>
+          </p:cNvCxnSpPr>
+          <p:nvPr/>
+        </p:nvCxnSpPr>
+        <p:spPr>
+          <a:xfrm flipH="1" flipV="1">
+            <a:off x="1653999" y="4623597"/>
+            <a:ext cx="922959" cy="23129"/>
+          </a:xfrm>
+          <a:prstGeom prst="line">
+            <a:avLst/>
+          </a:prstGeom>
+          <a:ln w="57150">
+            <a:solidFill>
+              <a:schemeClr val="tx1"/>
+            </a:solidFill>
+          </a:ln>
+        </p:spPr>
+        <p:style>
+          <a:lnRef idx="2">
+            <a:schemeClr val="accent1"/>
+          </a:lnRef>
+          <a:fillRef idx="0">
+            <a:schemeClr val="accent1"/>
+          </a:fillRef>
+          <a:effectRef idx="1">
+            <a:schemeClr val="accent1"/>
+          </a:effectRef>
+          <a:fontRef idx="minor">
+            <a:schemeClr val="tx1"/>
+          </a:fontRef>
+        </p:style>
+      </p:cxnSp>
+      <p:cxnSp>
+        <p:nvCxnSpPr>
+          <p:cNvPr id="20" name="Straight Connector 19">
+            <a:extLst>
+              <a:ext uri="{FF2B5EF4-FFF2-40B4-BE49-F238E27FC236}">
+                <a16:creationId xmlns:a16="http://schemas.microsoft.com/office/drawing/2014/main" id="{3E1CFA25-4379-94A6-F503-13C9879AB461}"/>
+              </a:ext>
+            </a:extLst>
+          </p:cNvPr>
+          <p:cNvCxnSpPr>
+            <a:cxnSpLocks/>
+          </p:cNvCxnSpPr>
+          <p:nvPr/>
+        </p:nvCxnSpPr>
+        <p:spPr>
+          <a:xfrm flipH="1">
+            <a:off x="1690096" y="5162376"/>
+            <a:ext cx="886862" cy="0"/>
+          </a:xfrm>
+          <a:prstGeom prst="line">
+            <a:avLst/>
+          </a:prstGeom>
+          <a:ln w="57150">
+            <a:solidFill>
+              <a:schemeClr val="tx1"/>
+            </a:solidFill>
+          </a:ln>
+        </p:spPr>
+        <p:style>
+          <a:lnRef idx="2">
+            <a:schemeClr val="accent1"/>
+          </a:lnRef>
+          <a:fillRef idx="0">
+            <a:schemeClr val="accent1"/>
+          </a:fillRef>
+          <a:effectRef idx="1">
+            <a:schemeClr val="accent1"/>
+          </a:effectRef>
+          <a:fontRef idx="minor">
+            <a:schemeClr val="tx1"/>
+          </a:fontRef>
+        </p:style>
+      </p:cxnSp>
+      <p:cxnSp>
+        <p:nvCxnSpPr>
+          <p:cNvPr id="21" name="Straight Connector 20">
+            <a:extLst>
+              <a:ext uri="{FF2B5EF4-FFF2-40B4-BE49-F238E27FC236}">
+                <a16:creationId xmlns:a16="http://schemas.microsoft.com/office/drawing/2014/main" id="{D86B66AA-CE9E-6A50-2B21-B73EB1490C93}"/>
+              </a:ext>
+            </a:extLst>
+          </p:cNvPr>
+          <p:cNvCxnSpPr>
+            <a:cxnSpLocks/>
+          </p:cNvCxnSpPr>
+          <p:nvPr/>
+        </p:nvCxnSpPr>
+        <p:spPr>
+          <a:xfrm flipH="1">
+            <a:off x="1659705" y="3943362"/>
+            <a:ext cx="455773" cy="0"/>
+          </a:xfrm>
+          <a:prstGeom prst="line">
+            <a:avLst/>
+          </a:prstGeom>
+          <a:ln w="57150">
+            <a:solidFill>
+              <a:schemeClr val="tx1"/>
+            </a:solidFill>
+          </a:ln>
+        </p:spPr>
+        <p:style>
+          <a:lnRef idx="2">
+            <a:schemeClr val="accent1"/>
+          </a:lnRef>
+          <a:fillRef idx="0">
+            <a:schemeClr val="accent1"/>
+          </a:fillRef>
+          <a:effectRef idx="1">
+            <a:schemeClr val="accent1"/>
+          </a:effectRef>
+          <a:fontRef idx="minor">
+            <a:schemeClr val="tx1"/>
+          </a:fontRef>
+        </p:style>
+      </p:cxnSp>
+      <p:sp>
+        <p:nvSpPr>
+          <p:cNvPr id="34" name="Freeform 33">
+            <a:extLst>
+              <a:ext uri="{FF2B5EF4-FFF2-40B4-BE49-F238E27FC236}">
+                <a16:creationId xmlns:a16="http://schemas.microsoft.com/office/drawing/2014/main" id="{D00BEA24-E2D5-A21F-DC97-E4DABA53FFDD}"/>
+              </a:ext>
+            </a:extLst>
+          </p:cNvPr>
+          <p:cNvSpPr/>
+          <p:nvPr/>
+        </p:nvSpPr>
+        <p:spPr>
+          <a:xfrm>
+            <a:off x="1773245" y="3800494"/>
+            <a:ext cx="805492" cy="673667"/>
+          </a:xfrm>
+          <a:custGeom>
+            <a:avLst/>
+            <a:gdLst>
+              <a:gd name="connsiteX0" fmla="*/ 710308 w 710308"/>
+              <a:gd name="connsiteY0" fmla="*/ 1323474 h 1323474"/>
+              <a:gd name="connsiteX1" fmla="*/ 445 w 710308"/>
+              <a:gd name="connsiteY1" fmla="*/ 649705 h 1323474"/>
+              <a:gd name="connsiteX2" fmla="*/ 626087 w 710308"/>
+              <a:gd name="connsiteY2" fmla="*/ 0 h 1323474"/>
+              <a:gd name="connsiteX0" fmla="*/ 711041 w 711041"/>
+              <a:gd name="connsiteY0" fmla="*/ 1708118 h 1708118"/>
+              <a:gd name="connsiteX1" fmla="*/ 1178 w 711041"/>
+              <a:gd name="connsiteY1" fmla="*/ 1034349 h 1708118"/>
+              <a:gd name="connsiteX2" fmla="*/ 416755 w 711041"/>
+              <a:gd name="connsiteY2" fmla="*/ 0 h 1708118"/>
+              <a:gd name="connsiteX0" fmla="*/ 913476 w 913476"/>
+              <a:gd name="connsiteY0" fmla="*/ 1434924 h 1434924"/>
+              <a:gd name="connsiteX1" fmla="*/ 1178 w 913476"/>
+              <a:gd name="connsiteY1" fmla="*/ 1034349 h 1434924"/>
+              <a:gd name="connsiteX2" fmla="*/ 416755 w 913476"/>
+              <a:gd name="connsiteY2" fmla="*/ 0 h 1434924"/>
+              <a:gd name="connsiteX0" fmla="*/ 913476 w 913476"/>
+              <a:gd name="connsiteY0" fmla="*/ 1434924 h 1434924"/>
+              <a:gd name="connsiteX1" fmla="*/ 1178 w 913476"/>
+              <a:gd name="connsiteY1" fmla="*/ 1034349 h 1434924"/>
+              <a:gd name="connsiteX2" fmla="*/ 416755 w 913476"/>
+              <a:gd name="connsiteY2" fmla="*/ 0 h 1434924"/>
+              <a:gd name="connsiteX0" fmla="*/ 913476 w 913476"/>
+              <a:gd name="connsiteY0" fmla="*/ 1434924 h 1434924"/>
+              <a:gd name="connsiteX1" fmla="*/ 1178 w 913476"/>
+              <a:gd name="connsiteY1" fmla="*/ 1034349 h 1434924"/>
+              <a:gd name="connsiteX2" fmla="*/ 416755 w 913476"/>
+              <a:gd name="connsiteY2" fmla="*/ 0 h 1434924"/>
+              <a:gd name="connsiteX0" fmla="*/ 948914 w 948914"/>
+              <a:gd name="connsiteY0" fmla="*/ 1434924 h 1434924"/>
+              <a:gd name="connsiteX1" fmla="*/ 36616 w 948914"/>
+              <a:gd name="connsiteY1" fmla="*/ 1034349 h 1434924"/>
+              <a:gd name="connsiteX2" fmla="*/ 452193 w 948914"/>
+              <a:gd name="connsiteY2" fmla="*/ 0 h 1434924"/>
+              <a:gd name="connsiteX0" fmla="*/ 948914 w 948914"/>
+              <a:gd name="connsiteY0" fmla="*/ 1434924 h 1434924"/>
+              <a:gd name="connsiteX1" fmla="*/ 36616 w 948914"/>
+              <a:gd name="connsiteY1" fmla="*/ 1034349 h 1434924"/>
+              <a:gd name="connsiteX2" fmla="*/ 452193 w 948914"/>
+              <a:gd name="connsiteY2" fmla="*/ 0 h 1434924"/>
+              <a:gd name="connsiteX0" fmla="*/ 954779 w 954779"/>
+              <a:gd name="connsiteY0" fmla="*/ 1398006 h 1398006"/>
+              <a:gd name="connsiteX1" fmla="*/ 21394 w 954779"/>
+              <a:gd name="connsiteY1" fmla="*/ 1034349 h 1398006"/>
+              <a:gd name="connsiteX2" fmla="*/ 436971 w 954779"/>
+              <a:gd name="connsiteY2" fmla="*/ 0 h 1398006"/>
+            </a:gdLst>
+            <a:ahLst/>
+            <a:cxnLst>
+              <a:cxn ang="0">
+                <a:pos x="connsiteX0" y="connsiteY0"/>
+              </a:cxn>
+              <a:cxn ang="0">
+                <a:pos x="connsiteX1" y="connsiteY1"/>
+              </a:cxn>
+              <a:cxn ang="0">
+                <a:pos x="connsiteX2" y="connsiteY2"/>
+              </a:cxn>
+            </a:cxnLst>
+            <a:rect l="l" t="t" r="r" b="b"/>
+            <a:pathLst>
+              <a:path w="954779" h="1398006">
+                <a:moveTo>
+                  <a:pt x="954779" y="1398006"/>
+                </a:moveTo>
+                <a:cubicBezTo>
+                  <a:pt x="602649" y="1341234"/>
+                  <a:pt x="107695" y="1267350"/>
+                  <a:pt x="21394" y="1034349"/>
+                </a:cubicBezTo>
+                <a:cubicBezTo>
+                  <a:pt x="-64907" y="801348"/>
+                  <a:pt x="117131" y="214563"/>
+                  <a:pt x="436971" y="0"/>
+                </a:cubicBezTo>
+              </a:path>
+            </a:pathLst>
+          </a:custGeom>
+          <a:noFill/>
+          <a:ln w="57150">
+            <a:solidFill>
+              <a:srgbClr val="0070C0"/>
+            </a:solidFill>
+          </a:ln>
+        </p:spPr>
+        <p:style>
+          <a:lnRef idx="2">
+            <a:schemeClr val="accent1">
+              <a:shade val="15000"/>
+            </a:schemeClr>
+          </a:lnRef>
+          <a:fillRef idx="1">
+            <a:schemeClr val="accent1"/>
+          </a:fillRef>
+          <a:effectRef idx="0">
+            <a:schemeClr val="accent1"/>
+          </a:effectRef>
+          <a:fontRef idx="minor">
+            <a:schemeClr val="lt1"/>
+          </a:fontRef>
+        </p:style>
+        <p:txBody>
+          <a:bodyPr rtlCol="0" anchor="ctr"/>
+          <a:lstStyle/>
+          <a:p>
+            <a:pPr algn="ctr"/>
+            <a:endParaRPr lang="en-US"/>
+          </a:p>
+        </p:txBody>
+      </p:sp>
+      <p:sp>
+        <p:nvSpPr>
+          <p:cNvPr id="35" name="Freeform 34">
+            <a:extLst>
+              <a:ext uri="{FF2B5EF4-FFF2-40B4-BE49-F238E27FC236}">
+                <a16:creationId xmlns:a16="http://schemas.microsoft.com/office/drawing/2014/main" id="{ED680718-1D0B-982C-47A7-6FB121692DC4}"/>
+              </a:ext>
+            </a:extLst>
+          </p:cNvPr>
+          <p:cNvSpPr/>
+          <p:nvPr/>
+        </p:nvSpPr>
+        <p:spPr>
+          <a:xfrm>
+            <a:off x="1801721" y="4095600"/>
+            <a:ext cx="769859" cy="931472"/>
+          </a:xfrm>
+          <a:custGeom>
+            <a:avLst/>
+            <a:gdLst>
+              <a:gd name="connsiteX0" fmla="*/ 710308 w 710308"/>
+              <a:gd name="connsiteY0" fmla="*/ 1323474 h 1323474"/>
+              <a:gd name="connsiteX1" fmla="*/ 445 w 710308"/>
+              <a:gd name="connsiteY1" fmla="*/ 649705 h 1323474"/>
+              <a:gd name="connsiteX2" fmla="*/ 626087 w 710308"/>
+              <a:gd name="connsiteY2" fmla="*/ 0 h 1323474"/>
+              <a:gd name="connsiteX0" fmla="*/ 711987 w 711987"/>
+              <a:gd name="connsiteY0" fmla="*/ 1234937 h 1234937"/>
+              <a:gd name="connsiteX1" fmla="*/ 2124 w 711987"/>
+              <a:gd name="connsiteY1" fmla="*/ 561168 h 1234937"/>
+              <a:gd name="connsiteX2" fmla="*/ 356599 w 711987"/>
+              <a:gd name="connsiteY2" fmla="*/ 0 h 1234937"/>
+              <a:gd name="connsiteX0" fmla="*/ 844721 w 844721"/>
+              <a:gd name="connsiteY0" fmla="*/ 997038 h 997038"/>
+              <a:gd name="connsiteX1" fmla="*/ 2124 w 844721"/>
+              <a:gd name="connsiteY1" fmla="*/ 561168 h 997038"/>
+              <a:gd name="connsiteX2" fmla="*/ 356599 w 844721"/>
+              <a:gd name="connsiteY2" fmla="*/ 0 h 997038"/>
+              <a:gd name="connsiteX0" fmla="*/ 844721 w 844721"/>
+              <a:gd name="connsiteY0" fmla="*/ 997038 h 997038"/>
+              <a:gd name="connsiteX1" fmla="*/ 2124 w 844721"/>
+              <a:gd name="connsiteY1" fmla="*/ 561168 h 997038"/>
+              <a:gd name="connsiteX2" fmla="*/ 356599 w 844721"/>
+              <a:gd name="connsiteY2" fmla="*/ 0 h 997038"/>
+              <a:gd name="connsiteX0" fmla="*/ 844721 w 844721"/>
+              <a:gd name="connsiteY0" fmla="*/ 929575 h 929575"/>
+              <a:gd name="connsiteX1" fmla="*/ 2124 w 844721"/>
+              <a:gd name="connsiteY1" fmla="*/ 493705 h 929575"/>
+              <a:gd name="connsiteX2" fmla="*/ 356599 w 844721"/>
+              <a:gd name="connsiteY2" fmla="*/ 0 h 929575"/>
+            </a:gdLst>
+            <a:ahLst/>
+            <a:cxnLst>
+              <a:cxn ang="0">
+                <a:pos x="connsiteX0" y="connsiteY0"/>
+              </a:cxn>
+              <a:cxn ang="0">
+                <a:pos x="connsiteX1" y="connsiteY1"/>
+              </a:cxn>
+              <a:cxn ang="0">
+                <a:pos x="connsiteX2" y="connsiteY2"/>
+              </a:cxn>
+            </a:cxnLst>
+            <a:rect l="l" t="t" r="r" b="b"/>
+            <a:pathLst>
+              <a:path w="844721" h="929575">
+                <a:moveTo>
+                  <a:pt x="844721" y="929575"/>
+                </a:moveTo>
+                <a:cubicBezTo>
+                  <a:pt x="469480" y="820154"/>
+                  <a:pt x="16161" y="714284"/>
+                  <a:pt x="2124" y="493705"/>
+                </a:cubicBezTo>
+                <a:cubicBezTo>
+                  <a:pt x="-11913" y="273126"/>
+                  <a:pt x="36759" y="214563"/>
+                  <a:pt x="356599" y="0"/>
+                </a:cubicBezTo>
+              </a:path>
+            </a:pathLst>
+          </a:custGeom>
+          <a:noFill/>
+          <a:ln w="57150">
+            <a:solidFill>
+              <a:srgbClr val="00B050"/>
+            </a:solidFill>
+          </a:ln>
+        </p:spPr>
+        <p:style>
+          <a:lnRef idx="2">
+            <a:schemeClr val="accent1">
+              <a:shade val="15000"/>
+            </a:schemeClr>
+          </a:lnRef>
+          <a:fillRef idx="1">
+            <a:schemeClr val="accent1"/>
+          </a:fillRef>
+          <a:effectRef idx="0">
+            <a:schemeClr val="accent1"/>
+          </a:effectRef>
+          <a:fontRef idx="minor">
+            <a:schemeClr val="lt1"/>
+          </a:fontRef>
+        </p:style>
+        <p:txBody>
+          <a:bodyPr rtlCol="0" anchor="ctr"/>
+          <a:lstStyle/>
+          <a:p>
+            <a:pPr algn="ctr"/>
+            <a:endParaRPr lang="en-US"/>
+          </a:p>
+        </p:txBody>
+      </p:sp>
+      <p:sp>
+        <p:nvSpPr>
+          <p:cNvPr id="36" name="Freeform 35">
+            <a:extLst>
+              <a:ext uri="{FF2B5EF4-FFF2-40B4-BE49-F238E27FC236}">
+                <a16:creationId xmlns:a16="http://schemas.microsoft.com/office/drawing/2014/main" id="{4798A7AA-5D93-AC01-7A3C-3BFB6EDE7D4C}"/>
+              </a:ext>
+            </a:extLst>
+          </p:cNvPr>
+          <p:cNvSpPr/>
+          <p:nvPr/>
+        </p:nvSpPr>
+        <p:spPr>
+          <a:xfrm>
+            <a:off x="1807586" y="4254284"/>
+            <a:ext cx="769359" cy="1157398"/>
+          </a:xfrm>
+          <a:custGeom>
+            <a:avLst/>
+            <a:gdLst>
+              <a:gd name="connsiteX0" fmla="*/ 710308 w 710308"/>
+              <a:gd name="connsiteY0" fmla="*/ 1323474 h 1323474"/>
+              <a:gd name="connsiteX1" fmla="*/ 445 w 710308"/>
+              <a:gd name="connsiteY1" fmla="*/ 649705 h 1323474"/>
+              <a:gd name="connsiteX2" fmla="*/ 626087 w 710308"/>
+              <a:gd name="connsiteY2" fmla="*/ 0 h 1323474"/>
+              <a:gd name="connsiteX0" fmla="*/ 711577 w 711577"/>
+              <a:gd name="connsiteY0" fmla="*/ 1382305 h 1382305"/>
+              <a:gd name="connsiteX1" fmla="*/ 1714 w 711577"/>
+              <a:gd name="connsiteY1" fmla="*/ 708536 h 1382305"/>
+              <a:gd name="connsiteX2" fmla="*/ 375099 w 711577"/>
+              <a:gd name="connsiteY2" fmla="*/ 0 h 1382305"/>
+              <a:gd name="connsiteX0" fmla="*/ 711865 w 711865"/>
+              <a:gd name="connsiteY0" fmla="*/ 1460747 h 1460747"/>
+              <a:gd name="connsiteX1" fmla="*/ 2002 w 711865"/>
+              <a:gd name="connsiteY1" fmla="*/ 786978 h 1460747"/>
+              <a:gd name="connsiteX2" fmla="*/ 361372 w 711865"/>
+              <a:gd name="connsiteY2" fmla="*/ 0 h 1460747"/>
+              <a:gd name="connsiteX0" fmla="*/ 710825 w 710825"/>
+              <a:gd name="connsiteY0" fmla="*/ 1401916 h 1401916"/>
+              <a:gd name="connsiteX1" fmla="*/ 962 w 710825"/>
+              <a:gd name="connsiteY1" fmla="*/ 728147 h 1401916"/>
+              <a:gd name="connsiteX2" fmla="*/ 445995 w 710825"/>
+              <a:gd name="connsiteY2" fmla="*/ 0 h 1401916"/>
+              <a:gd name="connsiteX0" fmla="*/ 710620 w 710620"/>
+              <a:gd name="connsiteY0" fmla="*/ 1392111 h 1392111"/>
+              <a:gd name="connsiteX1" fmla="*/ 757 w 710620"/>
+              <a:gd name="connsiteY1" fmla="*/ 718342 h 1392111"/>
+              <a:gd name="connsiteX2" fmla="*/ 488622 w 710620"/>
+              <a:gd name="connsiteY2" fmla="*/ 0 h 1392111"/>
+              <a:gd name="connsiteX0" fmla="*/ 711678 w 711678"/>
+              <a:gd name="connsiteY0" fmla="*/ 1387845 h 1387845"/>
+              <a:gd name="connsiteX1" fmla="*/ 1815 w 711678"/>
+              <a:gd name="connsiteY1" fmla="*/ 714076 h 1387845"/>
+              <a:gd name="connsiteX2" fmla="*/ 369827 w 711678"/>
+              <a:gd name="connsiteY2" fmla="*/ 0 h 1387845"/>
+              <a:gd name="connsiteX0" fmla="*/ 564275 w 564275"/>
+              <a:gd name="connsiteY0" fmla="*/ 1387845 h 1387845"/>
+              <a:gd name="connsiteX1" fmla="*/ 31469 w 564275"/>
+              <a:gd name="connsiteY1" fmla="*/ 982860 h 1387845"/>
+              <a:gd name="connsiteX2" fmla="*/ 222424 w 564275"/>
+              <a:gd name="connsiteY2" fmla="*/ 0 h 1387845"/>
+              <a:gd name="connsiteX0" fmla="*/ 575713 w 575713"/>
+              <a:gd name="connsiteY0" fmla="*/ 1387845 h 1387845"/>
+              <a:gd name="connsiteX1" fmla="*/ 42907 w 575713"/>
+              <a:gd name="connsiteY1" fmla="*/ 982860 h 1387845"/>
+              <a:gd name="connsiteX2" fmla="*/ 233862 w 575713"/>
+              <a:gd name="connsiteY2" fmla="*/ 0 h 1387845"/>
+              <a:gd name="connsiteX0" fmla="*/ 575713 w 575713"/>
+              <a:gd name="connsiteY0" fmla="*/ 1387845 h 1387845"/>
+              <a:gd name="connsiteX1" fmla="*/ 42907 w 575713"/>
+              <a:gd name="connsiteY1" fmla="*/ 982860 h 1387845"/>
+              <a:gd name="connsiteX2" fmla="*/ 233862 w 575713"/>
+              <a:gd name="connsiteY2" fmla="*/ 0 h 1387845"/>
+              <a:gd name="connsiteX0" fmla="*/ 592015 w 592015"/>
+              <a:gd name="connsiteY0" fmla="*/ 1387845 h 1387845"/>
+              <a:gd name="connsiteX1" fmla="*/ 59209 w 592015"/>
+              <a:gd name="connsiteY1" fmla="*/ 982860 h 1387845"/>
+              <a:gd name="connsiteX2" fmla="*/ 250164 w 592015"/>
+              <a:gd name="connsiteY2" fmla="*/ 0 h 1387845"/>
+              <a:gd name="connsiteX0" fmla="*/ 561516 w 561516"/>
+              <a:gd name="connsiteY0" fmla="*/ 1387845 h 1387845"/>
+              <a:gd name="connsiteX1" fmla="*/ 80464 w 561516"/>
+              <a:gd name="connsiteY1" fmla="*/ 1102318 h 1387845"/>
+              <a:gd name="connsiteX2" fmla="*/ 219665 w 561516"/>
+              <a:gd name="connsiteY2" fmla="*/ 0 h 1387845"/>
+              <a:gd name="connsiteX0" fmla="*/ 571247 w 571247"/>
+              <a:gd name="connsiteY0" fmla="*/ 1387845 h 1387845"/>
+              <a:gd name="connsiteX1" fmla="*/ 90195 w 571247"/>
+              <a:gd name="connsiteY1" fmla="*/ 1102318 h 1387845"/>
+              <a:gd name="connsiteX2" fmla="*/ 229396 w 571247"/>
+              <a:gd name="connsiteY2" fmla="*/ 0 h 1387845"/>
+              <a:gd name="connsiteX0" fmla="*/ 589010 w 589010"/>
+              <a:gd name="connsiteY0" fmla="*/ 1387845 h 1387845"/>
+              <a:gd name="connsiteX1" fmla="*/ 107958 w 589010"/>
+              <a:gd name="connsiteY1" fmla="*/ 1102318 h 1387845"/>
+              <a:gd name="connsiteX2" fmla="*/ 247159 w 589010"/>
+              <a:gd name="connsiteY2" fmla="*/ 0 h 1387845"/>
+              <a:gd name="connsiteX0" fmla="*/ 589010 w 589010"/>
+              <a:gd name="connsiteY0" fmla="*/ 1387845 h 1387845"/>
+              <a:gd name="connsiteX1" fmla="*/ 107958 w 589010"/>
+              <a:gd name="connsiteY1" fmla="*/ 1102318 h 1387845"/>
+              <a:gd name="connsiteX2" fmla="*/ 247159 w 589010"/>
+              <a:gd name="connsiteY2" fmla="*/ 0 h 1387845"/>
+              <a:gd name="connsiteX0" fmla="*/ 589010 w 589010"/>
+              <a:gd name="connsiteY0" fmla="*/ 1387845 h 1387845"/>
+              <a:gd name="connsiteX1" fmla="*/ 107958 w 589010"/>
+              <a:gd name="connsiteY1" fmla="*/ 1102318 h 1387845"/>
+              <a:gd name="connsiteX2" fmla="*/ 247159 w 589010"/>
+              <a:gd name="connsiteY2" fmla="*/ 0 h 1387845"/>
+            </a:gdLst>
+            <a:ahLst/>
+            <a:cxnLst>
+              <a:cxn ang="0">
+                <a:pos x="connsiteX0" y="connsiteY0"/>
+              </a:cxn>
+              <a:cxn ang="0">
+                <a:pos x="connsiteX1" y="connsiteY1"/>
+              </a:cxn>
+              <a:cxn ang="0">
+                <a:pos x="connsiteX2" y="connsiteY2"/>
+              </a:cxn>
+            </a:cxnLst>
+            <a:rect l="l" t="t" r="r" b="b"/>
+            <a:pathLst>
+              <a:path w="589010" h="1387845">
+                <a:moveTo>
+                  <a:pt x="589010" y="1387845"/>
+                </a:moveTo>
+                <a:cubicBezTo>
+                  <a:pt x="344606" y="1353238"/>
+                  <a:pt x="255468" y="1327163"/>
+                  <a:pt x="107958" y="1102318"/>
+                </a:cubicBezTo>
+                <a:cubicBezTo>
+                  <a:pt x="-39552" y="877473"/>
+                  <a:pt x="-72681" y="214563"/>
+                  <a:pt x="247159" y="0"/>
+                </a:cubicBezTo>
+              </a:path>
+            </a:pathLst>
+          </a:custGeom>
+          <a:noFill/>
+          <a:ln w="57150">
+            <a:solidFill>
+              <a:srgbClr val="FFC000"/>
+            </a:solidFill>
+          </a:ln>
+        </p:spPr>
+        <p:style>
+          <a:lnRef idx="2">
+            <a:schemeClr val="accent1">
+              <a:shade val="15000"/>
+            </a:schemeClr>
+          </a:lnRef>
+          <a:fillRef idx="1">
+            <a:schemeClr val="accent1"/>
+          </a:fillRef>
+          <a:effectRef idx="0">
+            <a:schemeClr val="accent1"/>
+          </a:effectRef>
+          <a:fontRef idx="minor">
+            <a:schemeClr val="lt1"/>
+          </a:fontRef>
+        </p:style>
+        <p:txBody>
+          <a:bodyPr rtlCol="0" anchor="ctr"/>
+          <a:lstStyle/>
+          <a:p>
+            <a:pPr algn="ctr"/>
+            <a:endParaRPr lang="en-US"/>
+          </a:p>
+        </p:txBody>
+      </p:sp>
+      <p:sp>
+        <p:nvSpPr>
+          <p:cNvPr id="37" name="TextBox 36">
+            <a:extLst>
+              <a:ext uri="{FF2B5EF4-FFF2-40B4-BE49-F238E27FC236}">
+                <a16:creationId xmlns:a16="http://schemas.microsoft.com/office/drawing/2014/main" id="{6BDA826A-9864-B182-1877-B8E10147894C}"/>
+              </a:ext>
+            </a:extLst>
+          </p:cNvPr>
+          <p:cNvSpPr txBox="1"/>
+          <p:nvPr/>
+        </p:nvSpPr>
+        <p:spPr>
+          <a:xfrm>
+            <a:off x="2248382" y="2438966"/>
+            <a:ext cx="901209" cy="523220"/>
+          </a:xfrm>
+          <a:prstGeom prst="rect">
+            <a:avLst/>
+          </a:prstGeom>
+          <a:noFill/>
+        </p:spPr>
+        <p:txBody>
+          <a:bodyPr wrap="none" rtlCol="0">
+            <a:spAutoFit/>
+          </a:bodyPr>
+          <a:lstStyle/>
+          <a:p>
+            <a:r>
+              <a:rPr lang="en-US" sz="2800" b="1" dirty="0">
+                <a:solidFill>
+                  <a:schemeClr val="bg1"/>
+                </a:solidFill>
+              </a:rPr>
+              <a:t>Pico</a:t>
+            </a:r>
+          </a:p>
+        </p:txBody>
+      </p:sp>
+      <p:sp>
+        <p:nvSpPr>
+          <p:cNvPr id="39" name="Oval 38">
+            <a:extLst>
+              <a:ext uri="{FF2B5EF4-FFF2-40B4-BE49-F238E27FC236}">
+                <a16:creationId xmlns:a16="http://schemas.microsoft.com/office/drawing/2014/main" id="{DB0D0F35-8E01-17A1-56C3-E62A0F4E283B}"/>
+              </a:ext>
+            </a:extLst>
+          </p:cNvPr>
+          <p:cNvSpPr/>
+          <p:nvPr/>
+        </p:nvSpPr>
+        <p:spPr>
+          <a:xfrm>
+            <a:off x="2654546" y="4434673"/>
+            <a:ext cx="208536" cy="205104"/>
+          </a:xfrm>
+          <a:prstGeom prst="ellipse">
+            <a:avLst/>
+          </a:prstGeom>
+          <a:solidFill>
+            <a:schemeClr val="tx1"/>
+          </a:solidFill>
+          <a:ln>
+            <a:noFill/>
+          </a:ln>
+        </p:spPr>
+        <p:style>
+          <a:lnRef idx="2">
+            <a:schemeClr val="accent1">
+              <a:shade val="15000"/>
+            </a:schemeClr>
+          </a:lnRef>
+          <a:fillRef idx="1">
+            <a:schemeClr val="accent1"/>
+          </a:fillRef>
+          <a:effectRef idx="0">
+            <a:schemeClr val="accent1"/>
+          </a:effectRef>
+          <a:fontRef idx="minor">
+            <a:schemeClr val="lt1"/>
+          </a:fontRef>
+        </p:style>
+        <p:txBody>
+          <a:bodyPr rtlCol="0" anchor="ctr"/>
+          <a:lstStyle/>
+          <a:p>
+            <a:pPr algn="ctr"/>
+            <a:endParaRPr lang="en-US"/>
+          </a:p>
+        </p:txBody>
+      </p:sp>
+      <p:sp>
+        <p:nvSpPr>
+          <p:cNvPr id="40" name="Oval 39">
+            <a:extLst>
+              <a:ext uri="{FF2B5EF4-FFF2-40B4-BE49-F238E27FC236}">
+                <a16:creationId xmlns:a16="http://schemas.microsoft.com/office/drawing/2014/main" id="{3E1FA7CB-CE59-2B09-A766-F63525DB16FA}"/>
+              </a:ext>
+            </a:extLst>
+          </p:cNvPr>
+          <p:cNvSpPr/>
+          <p:nvPr/>
+        </p:nvSpPr>
+        <p:spPr>
+          <a:xfrm>
+            <a:off x="2643017" y="4957272"/>
+            <a:ext cx="208536" cy="205104"/>
+          </a:xfrm>
+          <a:prstGeom prst="ellipse">
+            <a:avLst/>
+          </a:prstGeom>
+          <a:solidFill>
+            <a:schemeClr val="tx1"/>
+          </a:solidFill>
+          <a:ln>
+            <a:noFill/>
+          </a:ln>
+        </p:spPr>
+        <p:style>
+          <a:lnRef idx="2">
+            <a:schemeClr val="accent1">
+              <a:shade val="15000"/>
+            </a:schemeClr>
+          </a:lnRef>
+          <a:fillRef idx="1">
+            <a:schemeClr val="accent1"/>
+          </a:fillRef>
+          <a:effectRef idx="0">
+            <a:schemeClr val="accent1"/>
+          </a:effectRef>
+          <a:fontRef idx="minor">
+            <a:schemeClr val="lt1"/>
+          </a:fontRef>
+        </p:style>
+        <p:txBody>
+          <a:bodyPr rtlCol="0" anchor="ctr"/>
+          <a:lstStyle/>
+          <a:p>
+            <a:pPr algn="ctr"/>
+            <a:endParaRPr lang="en-US"/>
+          </a:p>
+        </p:txBody>
+      </p:sp>
+      <p:sp>
+        <p:nvSpPr>
+          <p:cNvPr id="41" name="Oval 40">
+            <a:extLst>
+              <a:ext uri="{FF2B5EF4-FFF2-40B4-BE49-F238E27FC236}">
+                <a16:creationId xmlns:a16="http://schemas.microsoft.com/office/drawing/2014/main" id="{BFE542BA-D9F7-030C-7C37-5D30B2F94F41}"/>
+              </a:ext>
+            </a:extLst>
+          </p:cNvPr>
+          <p:cNvSpPr/>
+          <p:nvPr/>
+        </p:nvSpPr>
+        <p:spPr>
+          <a:xfrm>
+            <a:off x="2643017" y="5356377"/>
+            <a:ext cx="208536" cy="205104"/>
+          </a:xfrm>
+          <a:prstGeom prst="ellipse">
+            <a:avLst/>
+          </a:prstGeom>
+          <a:solidFill>
+            <a:schemeClr val="tx1"/>
+          </a:solidFill>
+          <a:ln>
+            <a:noFill/>
+          </a:ln>
+        </p:spPr>
+        <p:style>
+          <a:lnRef idx="2">
+            <a:schemeClr val="accent1">
+              <a:shade val="15000"/>
+            </a:schemeClr>
+          </a:lnRef>
+          <a:fillRef idx="1">
+            <a:schemeClr val="accent1"/>
+          </a:fillRef>
+          <a:effectRef idx="0">
+            <a:schemeClr val="accent1"/>
+          </a:effectRef>
+          <a:fontRef idx="minor">
+            <a:schemeClr val="lt1"/>
+          </a:fontRef>
+        </p:style>
+        <p:txBody>
+          <a:bodyPr rtlCol="0" anchor="ctr"/>
+          <a:lstStyle/>
+          <a:p>
+            <a:pPr algn="ctr"/>
+            <a:endParaRPr lang="en-US"/>
+          </a:p>
+        </p:txBody>
+      </p:sp>
+      <p:sp>
+        <p:nvSpPr>
+          <p:cNvPr id="45" name="TextBox 44">
+            <a:extLst>
+              <a:ext uri="{FF2B5EF4-FFF2-40B4-BE49-F238E27FC236}">
+                <a16:creationId xmlns:a16="http://schemas.microsoft.com/office/drawing/2014/main" id="{0B87BAC9-50B4-0824-F4DB-83AA4FB6EF23}"/>
+              </a:ext>
+            </a:extLst>
+          </p:cNvPr>
+          <p:cNvSpPr txBox="1"/>
+          <p:nvPr/>
+        </p:nvSpPr>
+        <p:spPr>
+          <a:xfrm>
+            <a:off x="1778967" y="2892615"/>
+            <a:ext cx="466794" cy="230832"/>
+          </a:xfrm>
+          <a:prstGeom prst="rect">
+            <a:avLst/>
+          </a:prstGeom>
+          <a:noFill/>
+        </p:spPr>
+        <p:txBody>
+          <a:bodyPr wrap="none" rtlCol="0">
+            <a:spAutoFit/>
+          </a:bodyPr>
+          <a:lstStyle/>
+          <a:p>
+            <a:r>
+              <a:rPr lang="en-US" sz="900" b="1" dirty="0">
+                <a:latin typeface="Arial" panose="020B0604020202020204" pitchFamily="34" charset="0"/>
+                <a:cs typeface="Arial" panose="020B0604020202020204" pitchFamily="34" charset="0"/>
+              </a:rPr>
+              <a:t>ROW</a:t>
+            </a:r>
+          </a:p>
+        </p:txBody>
+      </p:sp>
+      <p:sp>
+        <p:nvSpPr>
+          <p:cNvPr id="46" name="TextBox 45">
+            <a:extLst>
+              <a:ext uri="{FF2B5EF4-FFF2-40B4-BE49-F238E27FC236}">
+                <a16:creationId xmlns:a16="http://schemas.microsoft.com/office/drawing/2014/main" id="{771393BE-7E9D-813C-002B-37DE98E55A37}"/>
+              </a:ext>
+            </a:extLst>
+          </p:cNvPr>
+          <p:cNvSpPr txBox="1"/>
+          <p:nvPr/>
+        </p:nvSpPr>
+        <p:spPr>
+          <a:xfrm>
+            <a:off x="1141225" y="3283935"/>
+            <a:ext cx="473206" cy="230832"/>
+          </a:xfrm>
+          <a:prstGeom prst="rect">
+            <a:avLst/>
+          </a:prstGeom>
+          <a:noFill/>
+        </p:spPr>
+        <p:txBody>
+          <a:bodyPr wrap="none" rtlCol="0">
+            <a:spAutoFit/>
+          </a:bodyPr>
+          <a:lstStyle/>
+          <a:p>
+            <a:r>
+              <a:rPr lang="en-US" sz="900" b="1" dirty="0">
+                <a:latin typeface="Arial" panose="020B0604020202020204" pitchFamily="34" charset="0"/>
+                <a:cs typeface="Arial" panose="020B0604020202020204" pitchFamily="34" charset="0"/>
+              </a:rPr>
+              <a:t>GPIO</a:t>
+            </a:r>
+          </a:p>
+        </p:txBody>
+      </p:sp>
+      <p:sp>
+        <p:nvSpPr>
+          <p:cNvPr id="50" name="TextBox 49">
+            <a:extLst>
+              <a:ext uri="{FF2B5EF4-FFF2-40B4-BE49-F238E27FC236}">
+                <a16:creationId xmlns:a16="http://schemas.microsoft.com/office/drawing/2014/main" id="{1E9F1EF6-90D1-65C9-9111-80A6A088CCF2}"/>
+              </a:ext>
+            </a:extLst>
+          </p:cNvPr>
+          <p:cNvSpPr txBox="1"/>
+          <p:nvPr/>
+        </p:nvSpPr>
+        <p:spPr>
+          <a:xfrm>
+            <a:off x="1088649" y="3506116"/>
+            <a:ext cx="601447" cy="230832"/>
+          </a:xfrm>
+          <a:prstGeom prst="rect">
+            <a:avLst/>
+          </a:prstGeom>
+          <a:noFill/>
+        </p:spPr>
+        <p:txBody>
+          <a:bodyPr wrap="none" rtlCol="0">
+            <a:spAutoFit/>
+          </a:bodyPr>
+          <a:lstStyle/>
+          <a:p>
+            <a:r>
+              <a:rPr lang="en-US" sz="900" b="1" dirty="0">
+                <a:latin typeface="Arial" panose="020B0604020202020204" pitchFamily="34" charset="0"/>
+                <a:cs typeface="Arial" panose="020B0604020202020204" pitchFamily="34" charset="0"/>
+              </a:rPr>
+              <a:t>GPIO12</a:t>
+            </a:r>
+          </a:p>
+        </p:txBody>
+      </p:sp>
+      <p:sp>
+        <p:nvSpPr>
+          <p:cNvPr id="51" name="TextBox 50">
+            <a:extLst>
+              <a:ext uri="{FF2B5EF4-FFF2-40B4-BE49-F238E27FC236}">
+                <a16:creationId xmlns:a16="http://schemas.microsoft.com/office/drawing/2014/main" id="{D3137406-3AD9-9473-447C-A0EE4D94E88D}"/>
+              </a:ext>
+            </a:extLst>
+          </p:cNvPr>
+          <p:cNvSpPr txBox="1"/>
+          <p:nvPr/>
+        </p:nvSpPr>
+        <p:spPr>
+          <a:xfrm>
+            <a:off x="1088649" y="3683186"/>
+            <a:ext cx="601447" cy="230832"/>
+          </a:xfrm>
+          <a:prstGeom prst="rect">
+            <a:avLst/>
+          </a:prstGeom>
+          <a:noFill/>
+        </p:spPr>
+        <p:txBody>
+          <a:bodyPr wrap="none" rtlCol="0">
+            <a:spAutoFit/>
+          </a:bodyPr>
+          <a:lstStyle/>
+          <a:p>
+            <a:r>
+              <a:rPr lang="en-US" sz="900" b="1" dirty="0">
+                <a:latin typeface="Arial" panose="020B0604020202020204" pitchFamily="34" charset="0"/>
+                <a:cs typeface="Arial" panose="020B0604020202020204" pitchFamily="34" charset="0"/>
+              </a:rPr>
+              <a:t>GPIO13</a:t>
+            </a:r>
+          </a:p>
+        </p:txBody>
+      </p:sp>
+      <p:sp>
+        <p:nvSpPr>
+          <p:cNvPr id="52" name="TextBox 51">
+            <a:extLst>
+              <a:ext uri="{FF2B5EF4-FFF2-40B4-BE49-F238E27FC236}">
+                <a16:creationId xmlns:a16="http://schemas.microsoft.com/office/drawing/2014/main" id="{5EB33401-CD14-86D9-B31E-E66CC92512E2}"/>
+              </a:ext>
+            </a:extLst>
+          </p:cNvPr>
+          <p:cNvSpPr txBox="1"/>
+          <p:nvPr/>
+        </p:nvSpPr>
+        <p:spPr>
+          <a:xfrm>
+            <a:off x="1088649" y="3992003"/>
+            <a:ext cx="601447" cy="230832"/>
+          </a:xfrm>
+          <a:prstGeom prst="rect">
+            <a:avLst/>
+          </a:prstGeom>
+          <a:noFill/>
+        </p:spPr>
+        <p:txBody>
+          <a:bodyPr wrap="none" rtlCol="0">
+            <a:spAutoFit/>
+          </a:bodyPr>
+          <a:lstStyle/>
+          <a:p>
+            <a:r>
+              <a:rPr lang="en-US" sz="900" b="1" dirty="0">
+                <a:latin typeface="Arial" panose="020B0604020202020204" pitchFamily="34" charset="0"/>
+                <a:cs typeface="Arial" panose="020B0604020202020204" pitchFamily="34" charset="0"/>
+              </a:rPr>
+              <a:t>GPIO14</a:t>
+            </a:r>
+          </a:p>
+        </p:txBody>
+      </p:sp>
+      <p:sp>
+        <p:nvSpPr>
+          <p:cNvPr id="53" name="TextBox 52">
+            <a:extLst>
+              <a:ext uri="{FF2B5EF4-FFF2-40B4-BE49-F238E27FC236}">
+                <a16:creationId xmlns:a16="http://schemas.microsoft.com/office/drawing/2014/main" id="{4798A2F8-25CD-5189-0244-16E12BE8628D}"/>
+              </a:ext>
+            </a:extLst>
+          </p:cNvPr>
+          <p:cNvSpPr txBox="1"/>
+          <p:nvPr/>
+        </p:nvSpPr>
+        <p:spPr>
+          <a:xfrm>
+            <a:off x="1092847" y="4156894"/>
+            <a:ext cx="601447" cy="230832"/>
+          </a:xfrm>
+          <a:prstGeom prst="rect">
+            <a:avLst/>
+          </a:prstGeom>
+          <a:noFill/>
+        </p:spPr>
+        <p:txBody>
+          <a:bodyPr wrap="none" rtlCol="0">
+            <a:spAutoFit/>
+          </a:bodyPr>
+          <a:lstStyle/>
+          <a:p>
+            <a:r>
+              <a:rPr lang="en-US" sz="900" b="1" dirty="0">
+                <a:latin typeface="Arial" panose="020B0604020202020204" pitchFamily="34" charset="0"/>
+                <a:cs typeface="Arial" panose="020B0604020202020204" pitchFamily="34" charset="0"/>
+              </a:rPr>
+              <a:t>GPIO15</a:t>
+            </a:r>
+          </a:p>
+        </p:txBody>
+      </p:sp>
+      <p:sp>
+        <p:nvSpPr>
+          <p:cNvPr id="54" name="Rectangle 53">
+            <a:extLst>
+              <a:ext uri="{FF2B5EF4-FFF2-40B4-BE49-F238E27FC236}">
+                <a16:creationId xmlns:a16="http://schemas.microsoft.com/office/drawing/2014/main" id="{25F5EA30-A0AE-5A5A-8683-60BDE541956D}"/>
+              </a:ext>
+            </a:extLst>
+          </p:cNvPr>
+          <p:cNvSpPr/>
+          <p:nvPr/>
+        </p:nvSpPr>
+        <p:spPr>
+          <a:xfrm>
+            <a:off x="1184806" y="3887979"/>
+            <a:ext cx="386044" cy="110767"/>
+          </a:xfrm>
+          <a:prstGeom prst="rect">
+            <a:avLst/>
+          </a:prstGeom>
+          <a:solidFill>
+            <a:schemeClr val="tx1"/>
+          </a:solidFill>
+          <a:ln>
+            <a:noFill/>
+          </a:ln>
+        </p:spPr>
+        <p:style>
+          <a:lnRef idx="2">
+            <a:schemeClr val="accent1">
+              <a:shade val="15000"/>
+            </a:schemeClr>
+          </a:lnRef>
+          <a:fillRef idx="1">
+            <a:schemeClr val="accent1"/>
+          </a:fillRef>
+          <a:effectRef idx="0">
+            <a:schemeClr val="accent1"/>
+          </a:effectRef>
+          <a:fontRef idx="minor">
+            <a:schemeClr val="lt1"/>
+          </a:fontRef>
+        </p:style>
+        <p:txBody>
+          <a:bodyPr lIns="0" tIns="0" rIns="0" bIns="0" rtlCol="0" anchor="ctr"/>
+          <a:lstStyle/>
+          <a:p>
+            <a:r>
+              <a:rPr lang="en-US" sz="800" dirty="0">
+                <a:latin typeface="Arial" panose="020B0604020202020204" pitchFamily="34" charset="0"/>
+                <a:cs typeface="Arial" panose="020B0604020202020204" pitchFamily="34" charset="0"/>
+              </a:rPr>
+              <a:t>GND</a:t>
+            </a:r>
+          </a:p>
+        </p:txBody>
+      </p:sp>
+    </p:spTree>
+    <p:extLst>
+      <p:ext uri="{BB962C8B-B14F-4D97-AF65-F5344CB8AC3E}">
+        <p14:creationId xmlns:p14="http://schemas.microsoft.com/office/powerpoint/2010/main" val="3869926391"/>
+      </p:ext>
+    </p:extLst>
+  </p:cSld>
+  <p:clrMapOvr>
+    <a:masterClrMapping/>
+  </p:clrMapOvr>
+</p:sld>
+</file>
+
 <file path=ppt/theme/theme1.xml><?xml version="1.0" encoding="utf-8"?>
 <a:theme xmlns:a="http://schemas.openxmlformats.org/drawingml/2006/main" name="Office Theme">
   <a:themeElements>
